--- a/Lending Club Case study.pptx
+++ b/Lending Club Case study.pptx
@@ -5,10 +5,10 @@
     <p:sldMasterId id="2147483666" r:id="rId4"/>
   </p:sldMasterIdLst>
   <p:notesMasterIdLst>
-    <p:notesMasterId r:id="rId26"/>
+    <p:notesMasterId r:id="rId27"/>
   </p:notesMasterIdLst>
   <p:handoutMasterIdLst>
-    <p:handoutMasterId r:id="rId27"/>
+    <p:handoutMasterId r:id="rId28"/>
   </p:handoutMasterIdLst>
   <p:sldIdLst>
     <p:sldId id="256" r:id="rId5"/>
@@ -31,7 +31,8 @@
     <p:sldId id="307" r:id="rId22"/>
     <p:sldId id="308" r:id="rId23"/>
     <p:sldId id="275" r:id="rId24"/>
-    <p:sldId id="276" r:id="rId25"/>
+    <p:sldId id="310" r:id="rId25"/>
+    <p:sldId id="276" r:id="rId26"/>
   </p:sldIdLst>
   <p:sldSz cx="12192000" cy="6858000"/>
   <p:notesSz cx="6858000" cy="9144000"/>
@@ -21245,11 +21246,11 @@
   <p:clrMapOvr>
     <a:masterClrMapping/>
   </p:clrMapOvr>
-  <mc:AlternateContent xmlns:mc="http://schemas.openxmlformats.org/markup-compatibility/2006">
-    <mc:Choice xmlns:p14="http://schemas.microsoft.com/office/powerpoint/2010/main" Requires="p14">
+  <mc:AlternateContent xmlns:mc="http://schemas.openxmlformats.org/markup-compatibility/2006" xmlns:p14="http://schemas.microsoft.com/office/powerpoint/2010/main">
+    <mc:Choice Requires="p14">
       <p:transition p14:dur="10"/>
     </mc:Choice>
-    <mc:Fallback>
+    <mc:Fallback xmlns="">
       <p:transition/>
     </mc:Fallback>
   </mc:AlternateContent>
@@ -21764,11 +21765,11 @@
   <p:clrMapOvr>
     <a:masterClrMapping/>
   </p:clrMapOvr>
-  <mc:AlternateContent xmlns:mc="http://schemas.openxmlformats.org/markup-compatibility/2006">
-    <mc:Choice xmlns:p14="http://schemas.microsoft.com/office/powerpoint/2010/main" Requires="p14">
+  <mc:AlternateContent xmlns:mc="http://schemas.openxmlformats.org/markup-compatibility/2006" xmlns:p14="http://schemas.microsoft.com/office/powerpoint/2010/main">
+    <mc:Choice Requires="p14">
       <p:transition p14:dur="10"/>
     </mc:Choice>
-    <mc:Fallback>
+    <mc:Fallback xmlns="">
       <p:transition/>
     </mc:Fallback>
   </mc:AlternateContent>
@@ -22249,11 +22250,11 @@
   <p:clrMapOvr>
     <a:masterClrMapping/>
   </p:clrMapOvr>
-  <mc:AlternateContent xmlns:mc="http://schemas.openxmlformats.org/markup-compatibility/2006">
-    <mc:Choice xmlns:p14="http://schemas.microsoft.com/office/powerpoint/2010/main" Requires="p14">
+  <mc:AlternateContent xmlns:mc="http://schemas.openxmlformats.org/markup-compatibility/2006" xmlns:p14="http://schemas.microsoft.com/office/powerpoint/2010/main">
+    <mc:Choice Requires="p14">
       <p:transition p14:dur="10"/>
     </mc:Choice>
-    <mc:Fallback>
+    <mc:Fallback xmlns="">
       <p:transition/>
     </mc:Fallback>
   </mc:AlternateContent>
@@ -22711,11 +22712,11 @@
   <p:clrMapOvr>
     <a:masterClrMapping/>
   </p:clrMapOvr>
-  <mc:AlternateContent xmlns:mc="http://schemas.openxmlformats.org/markup-compatibility/2006">
-    <mc:Choice xmlns:p14="http://schemas.microsoft.com/office/powerpoint/2010/main" Requires="p14">
+  <mc:AlternateContent xmlns:mc="http://schemas.openxmlformats.org/markup-compatibility/2006" xmlns:p14="http://schemas.microsoft.com/office/powerpoint/2010/main">
+    <mc:Choice Requires="p14">
       <p:transition p14:dur="10"/>
     </mc:Choice>
-    <mc:Fallback>
+    <mc:Fallback xmlns="">
       <p:transition/>
     </mc:Fallback>
   </mc:AlternateContent>
@@ -23232,6 +23233,193 @@
       </p:grpSpPr>
       <p:sp>
         <p:nvSpPr>
+          <p:cNvPr id="20" name="TextBox 19">
+            <a:extLst>
+              <a:ext uri="{FF2B5EF4-FFF2-40B4-BE49-F238E27FC236}">
+                <a16:creationId xmlns:a16="http://schemas.microsoft.com/office/drawing/2014/main" id="{2E7D8CF6-2365-4F5A-60FA-8E8C5E04FD83}"/>
+              </a:ext>
+            </a:extLst>
+          </p:cNvPr>
+          <p:cNvSpPr txBox="1"/>
+          <p:nvPr/>
+        </p:nvSpPr>
+        <p:spPr>
+          <a:xfrm>
+            <a:off x="6167263" y="1324913"/>
+            <a:ext cx="6096000" cy="2308324"/>
+          </a:xfrm>
+          <a:prstGeom prst="rect">
+            <a:avLst/>
+          </a:prstGeom>
+          <a:noFill/>
+        </p:spPr>
+        <p:txBody>
+          <a:bodyPr wrap="square">
+            <a:spAutoFit/>
+          </a:bodyPr>
+          <a:lstStyle/>
+          <a:p>
+            <a:pPr marL="171450" indent="-171450">
+              <a:buFont typeface="Arial" panose="020B0604020202020204" pitchFamily="34" charset="0"/>
+              <a:buChar char="•"/>
+            </a:pPr>
+            <a:r>
+              <a:rPr lang="en-US" sz="1200" b="1" dirty="0">
+                <a:solidFill>
+                  <a:schemeClr val="tx1"/>
+                </a:solidFill>
+              </a:rPr>
+              <a:t>Demographic and Behavioral Insights</a:t>
+            </a:r>
+            <a:endParaRPr lang="en-US" sz="1200" dirty="0">
+              <a:solidFill>
+                <a:schemeClr val="tx1"/>
+              </a:solidFill>
+            </a:endParaRPr>
+          </a:p>
+          <a:p>
+            <a:pPr marL="628650" lvl="1" indent="-171450">
+              <a:buFont typeface="Wingdings" panose="05000000000000000000" pitchFamily="2" charset="2"/>
+              <a:buChar char="§"/>
+            </a:pPr>
+            <a:r>
+              <a:rPr lang="en-US" sz="1200" b="1" dirty="0">
+                <a:solidFill>
+                  <a:schemeClr val="tx1"/>
+                </a:solidFill>
+              </a:rPr>
+              <a:t>Bankruptcy Records</a:t>
+            </a:r>
+            <a:r>
+              <a:rPr lang="en-US" sz="1200" dirty="0">
+                <a:solidFill>
+                  <a:schemeClr val="tx1"/>
+                </a:solidFill>
+              </a:rPr>
+              <a:t>: Borrowers with such records pose significant default risks despite being a small proportion (5%).</a:t>
+            </a:r>
+          </a:p>
+          <a:p>
+            <a:pPr marL="628650" lvl="1" indent="-171450">
+              <a:buFont typeface="Wingdings" panose="05000000000000000000" pitchFamily="2" charset="2"/>
+              <a:buChar char="§"/>
+            </a:pPr>
+            <a:r>
+              <a:rPr lang="en-US" sz="1200" b="1" dirty="0">
+                <a:solidFill>
+                  <a:schemeClr val="tx1"/>
+                </a:solidFill>
+              </a:rPr>
+              <a:t>High Revolving Credit Utilization</a:t>
+            </a:r>
+            <a:r>
+              <a:rPr lang="en-US" sz="1200" dirty="0">
+                <a:solidFill>
+                  <a:schemeClr val="tx1"/>
+                </a:solidFill>
+              </a:rPr>
+              <a:t>: Indicates financial strain, with defaulted accounts averaging 60% utilization.</a:t>
+            </a:r>
+          </a:p>
+          <a:p>
+            <a:pPr marL="171450" indent="-171450">
+              <a:buFont typeface="Arial" panose="020B0604020202020204" pitchFamily="34" charset="0"/>
+              <a:buChar char="•"/>
+            </a:pPr>
+            <a:r>
+              <a:rPr lang="en-US" sz="1200" b="1" dirty="0">
+                <a:solidFill>
+                  <a:schemeClr val="tx1"/>
+                </a:solidFill>
+              </a:rPr>
+              <a:t>Geographic </a:t>
+            </a:r>
+            <a:r>
+              <a:rPr lang="en-US" sz="1200" dirty="0">
+                <a:solidFill>
+                  <a:schemeClr val="tx1"/>
+                </a:solidFill>
+              </a:rPr>
+              <a:t>Concentration of Defaults at States with High Default Rates: Nebraska (highest), Montana, Alaska, Florida, and California.</a:t>
+            </a:r>
+            <a:endParaRPr lang="en-US" sz="1200" dirty="0"/>
+          </a:p>
+          <a:p>
+            <a:pPr lvl="1"/>
+            <a:endParaRPr lang="en-US" sz="1200" dirty="0">
+              <a:solidFill>
+                <a:schemeClr val="tx1"/>
+              </a:solidFill>
+            </a:endParaRPr>
+          </a:p>
+          <a:p>
+            <a:pPr marL="171450" indent="-171450">
+              <a:buFont typeface="Arial" panose="020B0604020202020204" pitchFamily="34" charset="0"/>
+              <a:buChar char="•"/>
+            </a:pPr>
+            <a:r>
+              <a:rPr lang="en-US" sz="1200" b="1" dirty="0">
+                <a:solidFill>
+                  <a:schemeClr val="tx1"/>
+                </a:solidFill>
+              </a:rPr>
+              <a:t>Default Trends Over Time</a:t>
+            </a:r>
+            <a:r>
+              <a:rPr lang="en-US" sz="1200" b="1" dirty="0"/>
+              <a:t> : </a:t>
+            </a:r>
+            <a:r>
+              <a:rPr lang="en-US" sz="1200" dirty="0">
+                <a:solidFill>
+                  <a:schemeClr val="tx1"/>
+                </a:solidFill>
+              </a:rPr>
+              <a:t>Defaults peaked at </a:t>
+            </a:r>
+            <a:r>
+              <a:rPr lang="en-US" sz="1200" b="1" dirty="0">
+                <a:solidFill>
+                  <a:schemeClr val="tx1"/>
+                </a:solidFill>
+              </a:rPr>
+              <a:t>17.93% in 2007</a:t>
+            </a:r>
+            <a:r>
+              <a:rPr lang="en-US" sz="1200" dirty="0">
+                <a:solidFill>
+                  <a:schemeClr val="tx1"/>
+                </a:solidFill>
+              </a:rPr>
+              <a:t>, influenced by the financial crisis, but declined post-2010.</a:t>
+            </a:r>
+          </a:p>
+          <a:p>
+            <a:pPr marL="171450" indent="-171450">
+              <a:buFont typeface="Arial" panose="020B0604020202020204" pitchFamily="34" charset="0"/>
+              <a:buChar char="•"/>
+            </a:pPr>
+            <a:r>
+              <a:rPr lang="en-US" sz="1200" b="1" dirty="0">
+                <a:solidFill>
+                  <a:schemeClr val="tx1"/>
+                </a:solidFill>
+              </a:rPr>
+              <a:t>Employment Impact : </a:t>
+            </a:r>
+            <a:r>
+              <a:rPr lang="en-US" sz="1200" dirty="0">
+                <a:solidFill>
+                  <a:schemeClr val="tx1"/>
+                </a:solidFill>
+              </a:rPr>
+              <a:t>Certain job titles (e.g., UPS, Walmart) correlate with higher default rates.</a:t>
+            </a:r>
+          </a:p>
+        </p:txBody>
+      </p:sp>
+      <p:sp>
+        <p:nvSpPr>
           <p:cNvPr id="2" name="Title 1">
             <a:extLst>
               <a:ext uri="{FF2B5EF4-FFF2-40B4-BE49-F238E27FC236}">
@@ -23248,52 +23436,23 @@
         </p:nvSpPr>
         <p:spPr>
           <a:xfrm>
-            <a:off x="5476875" y="1671639"/>
-            <a:ext cx="5111750" cy="1204912"/>
-          </a:xfrm>
-        </p:spPr>
-        <p:txBody>
-          <a:bodyPr/>
-          <a:lstStyle/>
-          <a:p>
-            <a:r>
-              <a:rPr lang="en-US" dirty="0"/>
-              <a:t>SUMMARY</a:t>
-            </a:r>
-          </a:p>
-        </p:txBody>
-      </p:sp>
-      <p:sp>
-        <p:nvSpPr>
-          <p:cNvPr id="3" name="Content Placeholder 2">
-            <a:extLst>
-              <a:ext uri="{FF2B5EF4-FFF2-40B4-BE49-F238E27FC236}">
-                <a16:creationId xmlns:a16="http://schemas.microsoft.com/office/drawing/2014/main" id="{E14BBEAF-B516-45F4-9EF6-A9F65111580F}"/>
-              </a:ext>
-            </a:extLst>
-          </p:cNvPr>
-          <p:cNvSpPr>
-            <a:spLocks noGrp="1"/>
-          </p:cNvSpPr>
-          <p:nvPr>
-            <p:ph type="body" idx="1"/>
-          </p:nvPr>
-        </p:nvSpPr>
-        <p:spPr>
-          <a:xfrm>
-            <a:off x="5476875" y="3682546"/>
-            <a:ext cx="5111750" cy="1525588"/>
-          </a:xfrm>
-        </p:spPr>
-        <p:txBody>
-          <a:bodyPr vert="horz" lIns="91440" tIns="45720" rIns="91440" bIns="45720" rtlCol="0" anchor="b">
+            <a:off x="444908" y="206477"/>
+            <a:ext cx="11678265" cy="506977"/>
+          </a:xfrm>
+        </p:spPr>
+        <p:txBody>
+          <a:bodyPr>
             <a:normAutofit/>
           </a:bodyPr>
           <a:lstStyle/>
           <a:p>
             <a:r>
               <a:rPr lang="en-US" dirty="0"/>
-              <a:t>At Contoso, we believe in giving 110%. By using our next-generation data architecture, we help organizations virtually manage agile workflows. We thrive because of our market knowledge and great team behind our product. As our CEO says, "Efficiencies will come from proactively transforming how we do business.”</a:t>
+              <a:t>SUMMARY: </a:t>
+            </a:r>
+            <a:r>
+              <a:rPr lang="en-US" sz="2200" dirty="0"/>
+              <a:t>Lending Risk Assessment and Portfolio Improvement</a:t>
             </a:r>
           </a:p>
         </p:txBody>
@@ -23326,40 +23485,7 @@
           <a:p>
             <a:r>
               <a:rPr lang="en-US" dirty="0"/>
-              <a:t>20XX</a:t>
-            </a:r>
-          </a:p>
-        </p:txBody>
-      </p:sp>
-      <p:sp>
-        <p:nvSpPr>
-          <p:cNvPr id="5" name="Footer Placeholder 4">
-            <a:extLst>
-              <a:ext uri="{FF2B5EF4-FFF2-40B4-BE49-F238E27FC236}">
-                <a16:creationId xmlns:a16="http://schemas.microsoft.com/office/drawing/2014/main" id="{11AEA823-8519-4F9D-81FA-3673131076FC}"/>
-              </a:ext>
-            </a:extLst>
-          </p:cNvPr>
-          <p:cNvSpPr>
-            <a:spLocks noGrp="1"/>
-          </p:cNvSpPr>
-          <p:nvPr>
-            <p:ph type="ftr" sz="quarter" idx="11"/>
-          </p:nvPr>
-        </p:nvSpPr>
-        <p:spPr>
-          <a:xfrm>
-            <a:off x="4038600" y="6356350"/>
-            <a:ext cx="4114800" cy="365125"/>
-          </a:xfrm>
-        </p:spPr>
-        <p:txBody>
-          <a:bodyPr/>
-          <a:lstStyle/>
-          <a:p>
-            <a:r>
-              <a:rPr lang="en-US" dirty="0"/>
-              <a:t>Pitch Deck</a:t>
+              <a:t>2024</a:t>
             </a:r>
           </a:p>
         </p:txBody>
@@ -23396,6 +23522,472 @@
               <a:t>20</a:t>
             </a:fld>
             <a:endParaRPr lang="en-US" dirty="0"/>
+          </a:p>
+        </p:txBody>
+      </p:sp>
+      <p:sp>
+        <p:nvSpPr>
+          <p:cNvPr id="8" name="Text Placeholder 7">
+            <a:extLst>
+              <a:ext uri="{FF2B5EF4-FFF2-40B4-BE49-F238E27FC236}">
+                <a16:creationId xmlns:a16="http://schemas.microsoft.com/office/drawing/2014/main" id="{2890F804-58D3-C1DF-FAEA-8D0624E2DF97}"/>
+              </a:ext>
+            </a:extLst>
+          </p:cNvPr>
+          <p:cNvSpPr>
+            <a:spLocks noGrp="1"/>
+          </p:cNvSpPr>
+          <p:nvPr>
+            <p:ph type="body" idx="1"/>
+          </p:nvPr>
+        </p:nvSpPr>
+        <p:spPr>
+          <a:xfrm>
+            <a:off x="442759" y="1297858"/>
+            <a:ext cx="5653241" cy="5113599"/>
+          </a:xfrm>
+        </p:spPr>
+        <p:txBody>
+          <a:bodyPr anchor="t">
+            <a:noAutofit/>
+          </a:bodyPr>
+          <a:lstStyle/>
+          <a:p>
+            <a:pPr marL="171450" indent="-171450">
+              <a:buFont typeface="Arial" panose="020B0604020202020204" pitchFamily="34" charset="0"/>
+              <a:buChar char="•"/>
+            </a:pPr>
+            <a:r>
+              <a:rPr lang="en-US" sz="1200" b="1" dirty="0">
+                <a:solidFill>
+                  <a:schemeClr val="tx1"/>
+                </a:solidFill>
+              </a:rPr>
+              <a:t>Loan Status and Default Distribution</a:t>
+            </a:r>
+            <a:endParaRPr lang="en-US" sz="1200" dirty="0">
+              <a:solidFill>
+                <a:schemeClr val="tx1"/>
+              </a:solidFill>
+            </a:endParaRPr>
+          </a:p>
+          <a:p>
+            <a:pPr marL="742950" lvl="1" indent="-285750">
+              <a:buFont typeface="Wingdings" panose="05000000000000000000" pitchFamily="2" charset="2"/>
+              <a:buChar char="§"/>
+            </a:pPr>
+            <a:r>
+              <a:rPr lang="en-US" sz="1200" b="1" dirty="0">
+                <a:solidFill>
+                  <a:schemeClr val="tx1"/>
+                </a:solidFill>
+              </a:rPr>
+              <a:t>83% Fully Paid</a:t>
+            </a:r>
+            <a:r>
+              <a:rPr lang="en-US" sz="1200" dirty="0">
+                <a:solidFill>
+                  <a:schemeClr val="tx1"/>
+                </a:solidFill>
+              </a:rPr>
+              <a:t>: Most loans are successfully repaid, indicating overall portfolio stability.</a:t>
+            </a:r>
+          </a:p>
+          <a:p>
+            <a:pPr marL="742950" lvl="1" indent="-285750">
+              <a:buFont typeface="Wingdings" panose="05000000000000000000" pitchFamily="2" charset="2"/>
+              <a:buChar char="§"/>
+            </a:pPr>
+            <a:r>
+              <a:rPr lang="en-US" sz="1200" b="1" dirty="0">
+                <a:solidFill>
+                  <a:schemeClr val="tx1"/>
+                </a:solidFill>
+              </a:rPr>
+              <a:t>14.2% Charged-Off</a:t>
+            </a:r>
+            <a:r>
+              <a:rPr lang="en-US" sz="1200" dirty="0">
+                <a:solidFill>
+                  <a:schemeClr val="tx1"/>
+                </a:solidFill>
+              </a:rPr>
+              <a:t>: Defaults are concentrated in a significant minority, warranting focused mitigation strategies.</a:t>
+            </a:r>
+          </a:p>
+          <a:p>
+            <a:pPr marL="171450" indent="-171450">
+              <a:buFont typeface="Arial" panose="020B0604020202020204" pitchFamily="34" charset="0"/>
+              <a:buChar char="•"/>
+            </a:pPr>
+            <a:r>
+              <a:rPr lang="en-US" sz="1200" b="1" dirty="0">
+                <a:solidFill>
+                  <a:schemeClr val="tx1"/>
+                </a:solidFill>
+              </a:rPr>
+              <a:t>Small Loans Dominate</a:t>
+            </a:r>
+            <a:r>
+              <a:rPr lang="en-US" sz="1200" dirty="0">
+                <a:solidFill>
+                  <a:schemeClr val="tx1"/>
+                </a:solidFill>
+              </a:rPr>
+              <a:t>: Most loans are under $5,000, with larger loans linked to higher default rates.</a:t>
+            </a:r>
+          </a:p>
+          <a:p>
+            <a:pPr marL="171450" indent="-171450">
+              <a:buFont typeface="Arial" panose="020B0604020202020204" pitchFamily="34" charset="0"/>
+              <a:buChar char="•"/>
+            </a:pPr>
+            <a:r>
+              <a:rPr lang="en-US" sz="1200" b="1" dirty="0">
+                <a:solidFill>
+                  <a:schemeClr val="tx1"/>
+                </a:solidFill>
+              </a:rPr>
+              <a:t>Verification and Applicant Risk</a:t>
+            </a:r>
+            <a:r>
+              <a:rPr lang="en-US" sz="1200" dirty="0">
+                <a:solidFill>
+                  <a:schemeClr val="tx1"/>
+                </a:solidFill>
+              </a:rPr>
+              <a:t> : </a:t>
+            </a:r>
+            <a:r>
+              <a:rPr lang="en-US" sz="1200" b="1" dirty="0">
+                <a:solidFill>
+                  <a:schemeClr val="tx1"/>
+                </a:solidFill>
+              </a:rPr>
+              <a:t>62% of Defaulted Applications Verified</a:t>
+            </a:r>
+            <a:r>
+              <a:rPr lang="en-US" sz="1200" dirty="0">
+                <a:solidFill>
+                  <a:schemeClr val="tx1"/>
+                </a:solidFill>
+              </a:rPr>
+              <a:t>: Highlights gaps in the verification process.</a:t>
+            </a:r>
+          </a:p>
+          <a:p>
+            <a:pPr marL="171450" indent="-171450">
+              <a:buFont typeface="Arial" panose="020B0604020202020204" pitchFamily="34" charset="0"/>
+              <a:buChar char="•"/>
+            </a:pPr>
+            <a:r>
+              <a:rPr lang="en-US" sz="1200" dirty="0">
+                <a:solidFill>
+                  <a:schemeClr val="tx1"/>
+                </a:solidFill>
+              </a:rPr>
+              <a:t>High-Risk Loan Purposes like "Small Business" and "Renewable Energy" show higher default rates</a:t>
+            </a:r>
+            <a:r>
+              <a:rPr lang="en-US" sz="1200" b="1" dirty="0">
+                <a:solidFill>
+                  <a:schemeClr val="tx1"/>
+                </a:solidFill>
+              </a:rPr>
+              <a:t>.</a:t>
+            </a:r>
+            <a:endParaRPr lang="en-US" sz="1200" dirty="0">
+              <a:solidFill>
+                <a:schemeClr val="tx1"/>
+              </a:solidFill>
+            </a:endParaRPr>
+          </a:p>
+          <a:p>
+            <a:pPr marL="171450" indent="-171450">
+              <a:buFont typeface="Arial" panose="020B0604020202020204" pitchFamily="34" charset="0"/>
+              <a:buChar char="•"/>
+            </a:pPr>
+            <a:r>
+              <a:rPr lang="en-US" sz="1200" b="1" dirty="0">
+                <a:solidFill>
+                  <a:schemeClr val="tx1"/>
+                </a:solidFill>
+              </a:rPr>
+              <a:t>Grade and Sub-Grade Risks</a:t>
+            </a:r>
+            <a:r>
+              <a:rPr lang="en-US" sz="1200" dirty="0">
+                <a:solidFill>
+                  <a:schemeClr val="tx1"/>
+                </a:solidFill>
+              </a:rPr>
+              <a:t> : </a:t>
+            </a:r>
+            <a:r>
+              <a:rPr lang="en-US" sz="1200" b="1" dirty="0">
+                <a:solidFill>
+                  <a:schemeClr val="tx1"/>
+                </a:solidFill>
+              </a:rPr>
+              <a:t>F5, G3, and G2 Grades e</a:t>
+            </a:r>
+            <a:r>
+              <a:rPr lang="en-US" sz="1200" dirty="0">
+                <a:solidFill>
+                  <a:schemeClr val="tx1"/>
+                </a:solidFill>
+              </a:rPr>
+              <a:t>xhibit inconsistent behavior with the grade definition and have highest default rates.</a:t>
+            </a:r>
+          </a:p>
+          <a:p>
+            <a:pPr marL="171450" indent="-171450">
+              <a:buFont typeface="Arial" panose="020B0604020202020204" pitchFamily="34" charset="0"/>
+              <a:buChar char="•"/>
+            </a:pPr>
+            <a:r>
+              <a:rPr lang="en-US" sz="1200" b="1" dirty="0">
+                <a:solidFill>
+                  <a:schemeClr val="tx1"/>
+                </a:solidFill>
+              </a:rPr>
+              <a:t>Impact of Financial Metrics on Defaults</a:t>
+            </a:r>
+            <a:endParaRPr lang="en-US" sz="1200" dirty="0">
+              <a:solidFill>
+                <a:schemeClr val="tx1"/>
+              </a:solidFill>
+            </a:endParaRPr>
+          </a:p>
+          <a:p>
+            <a:pPr marL="628650" lvl="1" indent="-171450">
+              <a:buFont typeface="Wingdings" panose="05000000000000000000" pitchFamily="2" charset="2"/>
+              <a:buChar char="§"/>
+            </a:pPr>
+            <a:r>
+              <a:rPr lang="en-US" sz="1200" b="1" dirty="0">
+                <a:solidFill>
+                  <a:schemeClr val="tx1"/>
+                </a:solidFill>
+              </a:rPr>
+              <a:t>Interest Rates</a:t>
+            </a:r>
+            <a:r>
+              <a:rPr lang="en-US" sz="1200" dirty="0">
+                <a:solidFill>
+                  <a:schemeClr val="tx1"/>
+                </a:solidFill>
+              </a:rPr>
+              <a:t>: Defaults increase significantly with higher rates.</a:t>
+            </a:r>
+          </a:p>
+          <a:p>
+            <a:pPr marL="628650" lvl="1" indent="-171450">
+              <a:buFont typeface="Wingdings" panose="05000000000000000000" pitchFamily="2" charset="2"/>
+              <a:buChar char="§"/>
+            </a:pPr>
+            <a:r>
+              <a:rPr lang="en-US" sz="1200" b="1" dirty="0">
+                <a:solidFill>
+                  <a:schemeClr val="tx1"/>
+                </a:solidFill>
+              </a:rPr>
+              <a:t>Loan Tenure</a:t>
+            </a:r>
+            <a:r>
+              <a:rPr lang="en-US" sz="1200" dirty="0">
+                <a:solidFill>
+                  <a:schemeClr val="tx1"/>
+                </a:solidFill>
+              </a:rPr>
+              <a:t>: 60-month loans have higher default rates than 36-month loans.</a:t>
+            </a:r>
+          </a:p>
+          <a:p>
+            <a:pPr marL="628650" lvl="1" indent="-171450">
+              <a:buFont typeface="Wingdings" panose="05000000000000000000" pitchFamily="2" charset="2"/>
+              <a:buChar char="§"/>
+            </a:pPr>
+            <a:r>
+              <a:rPr lang="en-US" sz="1200" b="1" dirty="0">
+                <a:solidFill>
+                  <a:schemeClr val="tx1"/>
+                </a:solidFill>
+              </a:rPr>
+              <a:t>Debt-to-Income Ratio</a:t>
+            </a:r>
+            <a:r>
+              <a:rPr lang="en-US" sz="1200" dirty="0">
+                <a:solidFill>
+                  <a:schemeClr val="tx1"/>
+                </a:solidFill>
+              </a:rPr>
+              <a:t>: High DTI correlates strongly with defaults.</a:t>
+            </a:r>
+          </a:p>
+          <a:p>
+            <a:pPr marL="171450" indent="-171450">
+              <a:buFont typeface="Arial" panose="020B0604020202020204" pitchFamily="34" charset="0"/>
+              <a:buChar char="•"/>
+            </a:pPr>
+            <a:endParaRPr lang="en-US" sz="1200" dirty="0">
+              <a:solidFill>
+                <a:schemeClr val="tx1"/>
+              </a:solidFill>
+            </a:endParaRPr>
+          </a:p>
+        </p:txBody>
+      </p:sp>
+      <p:cxnSp>
+        <p:nvCxnSpPr>
+          <p:cNvPr id="12" name="Straight Connector 11">
+            <a:extLst>
+              <a:ext uri="{FF2B5EF4-FFF2-40B4-BE49-F238E27FC236}">
+                <a16:creationId xmlns:a16="http://schemas.microsoft.com/office/drawing/2014/main" id="{F03049B4-9865-6C26-2ABA-1564B4C3D903}"/>
+              </a:ext>
+            </a:extLst>
+          </p:cNvPr>
+          <p:cNvCxnSpPr>
+            <a:cxnSpLocks/>
+          </p:cNvCxnSpPr>
+          <p:nvPr/>
+        </p:nvCxnSpPr>
+        <p:spPr>
+          <a:xfrm>
+            <a:off x="442759" y="1297858"/>
+            <a:ext cx="11542764" cy="0"/>
+          </a:xfrm>
+          <a:prstGeom prst="line">
+            <a:avLst/>
+          </a:prstGeom>
+        </p:spPr>
+        <p:style>
+          <a:lnRef idx="1">
+            <a:schemeClr val="dk1"/>
+          </a:lnRef>
+          <a:fillRef idx="0">
+            <a:schemeClr val="dk1"/>
+          </a:fillRef>
+          <a:effectRef idx="0">
+            <a:schemeClr val="dk1"/>
+          </a:effectRef>
+          <a:fontRef idx="minor">
+            <a:schemeClr val="tx1"/>
+          </a:fontRef>
+        </p:style>
+      </p:cxnSp>
+      <p:sp>
+        <p:nvSpPr>
+          <p:cNvPr id="14" name="Footer Placeholder 2">
+            <a:extLst>
+              <a:ext uri="{FF2B5EF4-FFF2-40B4-BE49-F238E27FC236}">
+                <a16:creationId xmlns:a16="http://schemas.microsoft.com/office/drawing/2014/main" id="{A41BFD8F-32BA-74EA-CCBB-485E45885996}"/>
+              </a:ext>
+            </a:extLst>
+          </p:cNvPr>
+          <p:cNvSpPr>
+            <a:spLocks noGrp="1"/>
+          </p:cNvSpPr>
+          <p:nvPr>
+            <p:ph type="ftr" sz="quarter" idx="11"/>
+          </p:nvPr>
+        </p:nvSpPr>
+        <p:spPr>
+          <a:xfrm>
+            <a:off x="4038600" y="6356350"/>
+            <a:ext cx="4114800" cy="365125"/>
+          </a:xfrm>
+        </p:spPr>
+        <p:txBody>
+          <a:bodyPr/>
+          <a:lstStyle/>
+          <a:p>
+            <a:r>
+              <a:rPr lang="en-US" dirty="0"/>
+              <a:t>UpGrad Case Study</a:t>
+            </a:r>
+          </a:p>
+        </p:txBody>
+      </p:sp>
+      <p:cxnSp>
+        <p:nvCxnSpPr>
+          <p:cNvPr id="15" name="Straight Connector 14">
+            <a:extLst>
+              <a:ext uri="{FF2B5EF4-FFF2-40B4-BE49-F238E27FC236}">
+                <a16:creationId xmlns:a16="http://schemas.microsoft.com/office/drawing/2014/main" id="{FA7716EA-92A0-D3F7-91F6-105CE8EE90AA}"/>
+              </a:ext>
+            </a:extLst>
+          </p:cNvPr>
+          <p:cNvCxnSpPr>
+            <a:cxnSpLocks/>
+          </p:cNvCxnSpPr>
+          <p:nvPr/>
+        </p:nvCxnSpPr>
+        <p:spPr>
+          <a:xfrm>
+            <a:off x="6131631" y="1324913"/>
+            <a:ext cx="0" cy="4680000"/>
+          </a:xfrm>
+          <a:prstGeom prst="line">
+            <a:avLst/>
+          </a:prstGeom>
+          <a:ln w="9525" cap="flat" cmpd="sng" algn="ctr">
+            <a:solidFill>
+              <a:schemeClr val="dk1"/>
+            </a:solidFill>
+            <a:prstDash val="dash"/>
+            <a:round/>
+            <a:headEnd type="none" w="med" len="med"/>
+            <a:tailEnd type="none" w="med" len="med"/>
+          </a:ln>
+        </p:spPr>
+        <p:style>
+          <a:lnRef idx="0">
+            <a:scrgbClr r="0" g="0" b="0"/>
+          </a:lnRef>
+          <a:fillRef idx="0">
+            <a:scrgbClr r="0" g="0" b="0"/>
+          </a:fillRef>
+          <a:effectRef idx="0">
+            <a:scrgbClr r="0" g="0" b="0"/>
+          </a:effectRef>
+          <a:fontRef idx="minor">
+            <a:schemeClr val="tx1"/>
+          </a:fontRef>
+        </p:style>
+      </p:cxnSp>
+      <p:sp>
+        <p:nvSpPr>
+          <p:cNvPr id="18" name="TextBox 17">
+            <a:extLst>
+              <a:ext uri="{FF2B5EF4-FFF2-40B4-BE49-F238E27FC236}">
+                <a16:creationId xmlns:a16="http://schemas.microsoft.com/office/drawing/2014/main" id="{869903E1-D33B-D470-B398-D72BF777FE93}"/>
+              </a:ext>
+            </a:extLst>
+          </p:cNvPr>
+          <p:cNvSpPr txBox="1"/>
+          <p:nvPr/>
+        </p:nvSpPr>
+        <p:spPr>
+          <a:xfrm>
+            <a:off x="442759" y="955581"/>
+            <a:ext cx="6120580" cy="369332"/>
+          </a:xfrm>
+          <a:prstGeom prst="rect">
+            <a:avLst/>
+          </a:prstGeom>
+          <a:noFill/>
+        </p:spPr>
+        <p:txBody>
+          <a:bodyPr wrap="square">
+            <a:spAutoFit/>
+          </a:bodyPr>
+          <a:lstStyle/>
+          <a:p>
+            <a:r>
+              <a:rPr lang="en-US" sz="1800" b="1" dirty="0"/>
+              <a:t>Key Findings and Insights</a:t>
+            </a:r>
           </a:p>
         </p:txBody>
       </p:sp>
@@ -23417,6 +24009,699 @@
   <p:cSld>
     <p:spTree>
       <p:nvGrpSpPr>
+        <p:cNvPr id="1" name="">
+          <a:extLst>
+            <a:ext uri="{FF2B5EF4-FFF2-40B4-BE49-F238E27FC236}">
+              <a16:creationId xmlns:a16="http://schemas.microsoft.com/office/drawing/2014/main" id="{5526DA5A-F3D1-E78C-5687-C5985CB52163}"/>
+            </a:ext>
+          </a:extLst>
+        </p:cNvPr>
+        <p:cNvGrpSpPr/>
+        <p:nvPr/>
+      </p:nvGrpSpPr>
+      <p:grpSpPr>
+        <a:xfrm>
+          <a:off x="0" y="0"/>
+          <a:ext cx="0" cy="0"/>
+          <a:chOff x="0" y="0"/>
+          <a:chExt cx="0" cy="0"/>
+        </a:xfrm>
+      </p:grpSpPr>
+      <p:sp>
+        <p:nvSpPr>
+          <p:cNvPr id="4" name="Date Placeholder 3">
+            <a:extLst>
+              <a:ext uri="{FF2B5EF4-FFF2-40B4-BE49-F238E27FC236}">
+                <a16:creationId xmlns:a16="http://schemas.microsoft.com/office/drawing/2014/main" id="{521C9784-61DB-B171-48ED-4A296A29A472}"/>
+              </a:ext>
+            </a:extLst>
+          </p:cNvPr>
+          <p:cNvSpPr>
+            <a:spLocks noGrp="1"/>
+          </p:cNvSpPr>
+          <p:nvPr>
+            <p:ph type="dt" sz="half" idx="10"/>
+          </p:nvPr>
+        </p:nvSpPr>
+        <p:spPr>
+          <a:xfrm>
+            <a:off x="838200" y="6356350"/>
+            <a:ext cx="2743200" cy="365125"/>
+          </a:xfrm>
+        </p:spPr>
+        <p:txBody>
+          <a:bodyPr/>
+          <a:lstStyle/>
+          <a:p>
+            <a:r>
+              <a:rPr lang="en-US" dirty="0"/>
+              <a:t>2024</a:t>
+            </a:r>
+          </a:p>
+        </p:txBody>
+      </p:sp>
+      <p:sp>
+        <p:nvSpPr>
+          <p:cNvPr id="6" name="Slide Number Placeholder 5">
+            <a:extLst>
+              <a:ext uri="{FF2B5EF4-FFF2-40B4-BE49-F238E27FC236}">
+                <a16:creationId xmlns:a16="http://schemas.microsoft.com/office/drawing/2014/main" id="{BAECEF34-D853-276A-76AE-C3FB65B3B70E}"/>
+              </a:ext>
+            </a:extLst>
+          </p:cNvPr>
+          <p:cNvSpPr>
+            <a:spLocks noGrp="1"/>
+          </p:cNvSpPr>
+          <p:nvPr>
+            <p:ph type="sldNum" sz="quarter" idx="12"/>
+          </p:nvPr>
+        </p:nvSpPr>
+        <p:spPr>
+          <a:xfrm>
+            <a:off x="8610600" y="6356350"/>
+            <a:ext cx="2743200" cy="365125"/>
+          </a:xfrm>
+        </p:spPr>
+        <p:txBody>
+          <a:bodyPr/>
+          <a:lstStyle/>
+          <a:p>
+            <a:fld id="{B5CEABB6-07DC-46E8-9B57-56EC44A396E5}" type="slidenum">
+              <a:rPr lang="en-US" smtClean="0"/>
+              <a:pPr/>
+              <a:t>21</a:t>
+            </a:fld>
+            <a:endParaRPr lang="en-US" dirty="0"/>
+          </a:p>
+        </p:txBody>
+      </p:sp>
+      <p:sp>
+        <p:nvSpPr>
+          <p:cNvPr id="8" name="Text Placeholder 7">
+            <a:extLst>
+              <a:ext uri="{FF2B5EF4-FFF2-40B4-BE49-F238E27FC236}">
+                <a16:creationId xmlns:a16="http://schemas.microsoft.com/office/drawing/2014/main" id="{835F5ABC-8E1D-56C1-9B21-B06CC9C01CC9}"/>
+              </a:ext>
+            </a:extLst>
+          </p:cNvPr>
+          <p:cNvSpPr>
+            <a:spLocks noGrp="1"/>
+          </p:cNvSpPr>
+          <p:nvPr>
+            <p:ph type="body" idx="1"/>
+          </p:nvPr>
+        </p:nvSpPr>
+        <p:spPr>
+          <a:xfrm>
+            <a:off x="442759" y="1305438"/>
+            <a:ext cx="5653241" cy="4849556"/>
+          </a:xfrm>
+        </p:spPr>
+        <p:txBody>
+          <a:bodyPr>
+            <a:noAutofit/>
+          </a:bodyPr>
+          <a:lstStyle/>
+          <a:p>
+            <a:pPr marL="285750" indent="-285750">
+              <a:buFont typeface="Arial" panose="020B0604020202020204" pitchFamily="34" charset="0"/>
+              <a:buChar char="•"/>
+            </a:pPr>
+            <a:r>
+              <a:rPr lang="en-US" b="1" dirty="0">
+                <a:solidFill>
+                  <a:schemeClr val="tx1"/>
+                </a:solidFill>
+              </a:rPr>
+              <a:t>Loan Amount</a:t>
+            </a:r>
+            <a:r>
+              <a:rPr lang="en-US" dirty="0">
+                <a:solidFill>
+                  <a:schemeClr val="tx1"/>
+                </a:solidFill>
+              </a:rPr>
+              <a:t>: Enhance assessments for higher loan amounts and explore flexible repayment terms.</a:t>
+            </a:r>
+          </a:p>
+          <a:p>
+            <a:pPr marL="285750" indent="-285750">
+              <a:buFont typeface="Arial" panose="020B0604020202020204" pitchFamily="34" charset="0"/>
+              <a:buChar char="•"/>
+            </a:pPr>
+            <a:r>
+              <a:rPr lang="en-US" b="1" dirty="0">
+                <a:solidFill>
+                  <a:schemeClr val="tx1"/>
+                </a:solidFill>
+              </a:rPr>
+              <a:t>Verification Status</a:t>
+            </a:r>
+            <a:r>
+              <a:rPr lang="en-US" dirty="0">
+                <a:solidFill>
+                  <a:schemeClr val="tx1"/>
+                </a:solidFill>
+              </a:rPr>
+              <a:t>: </a:t>
+            </a:r>
+            <a:r>
+              <a:rPr lang="en-US" b="1" dirty="0">
+                <a:solidFill>
+                  <a:schemeClr val="tx1"/>
+                </a:solidFill>
+              </a:rPr>
+              <a:t>Strengthen verification criteria</a:t>
+            </a:r>
+            <a:r>
+              <a:rPr lang="en-US" dirty="0">
+                <a:solidFill>
+                  <a:schemeClr val="tx1"/>
+                </a:solidFill>
+              </a:rPr>
+              <a:t> to minimize approval of high-risk loans.</a:t>
+            </a:r>
+          </a:p>
+          <a:p>
+            <a:pPr marL="285750" indent="-285750">
+              <a:buFont typeface="Arial" panose="020B0604020202020204" pitchFamily="34" charset="0"/>
+              <a:buChar char="•"/>
+            </a:pPr>
+            <a:r>
+              <a:rPr lang="en-US" b="1" dirty="0">
+                <a:solidFill>
+                  <a:schemeClr val="tx1"/>
+                </a:solidFill>
+              </a:rPr>
+              <a:t>Loan Purpose</a:t>
+            </a:r>
+            <a:r>
+              <a:rPr lang="en-US" dirty="0">
+                <a:solidFill>
+                  <a:schemeClr val="tx1"/>
+                </a:solidFill>
+              </a:rPr>
+              <a:t>: Enforce stricter evaluation for high-risk purposes and prioritize stable categories such as "Weddings."</a:t>
+            </a:r>
+          </a:p>
+          <a:p>
+            <a:pPr marL="285750" indent="-285750">
+              <a:buFont typeface="Arial" panose="020B0604020202020204" pitchFamily="34" charset="0"/>
+              <a:buChar char="•"/>
+            </a:pPr>
+            <a:r>
+              <a:rPr lang="en-US" b="1" dirty="0">
+                <a:solidFill>
+                  <a:schemeClr val="tx1"/>
+                </a:solidFill>
+              </a:rPr>
+              <a:t>Inconsistent Sub Grade behavior</a:t>
+            </a:r>
+            <a:r>
+              <a:rPr lang="en-US" dirty="0">
+                <a:solidFill>
+                  <a:schemeClr val="tx1"/>
+                </a:solidFill>
+              </a:rPr>
+              <a:t>: </a:t>
+            </a:r>
+            <a:r>
+              <a:rPr lang="en-US" b="1" dirty="0">
+                <a:solidFill>
+                  <a:schemeClr val="tx1"/>
+                </a:solidFill>
+              </a:rPr>
+              <a:t>Target F5, G3, and G2 Grades</a:t>
+            </a:r>
+            <a:r>
+              <a:rPr lang="en-US" dirty="0">
+                <a:solidFill>
+                  <a:schemeClr val="tx1"/>
+                </a:solidFill>
+              </a:rPr>
+              <a:t> with stricter lending and risk-mitigation strategies.</a:t>
+            </a:r>
+          </a:p>
+          <a:p>
+            <a:pPr marL="285750" indent="-285750">
+              <a:buFont typeface="Arial" panose="020B0604020202020204" pitchFamily="34" charset="0"/>
+              <a:buChar char="•"/>
+            </a:pPr>
+            <a:r>
+              <a:rPr lang="en-US" b="1" dirty="0">
+                <a:solidFill>
+                  <a:schemeClr val="tx1"/>
+                </a:solidFill>
+              </a:rPr>
+              <a:t>High Risk States</a:t>
+            </a:r>
+            <a:r>
+              <a:rPr lang="en-US" dirty="0">
+                <a:solidFill>
+                  <a:schemeClr val="tx1"/>
+                </a:solidFill>
+              </a:rPr>
+              <a:t>: Tailor risk management to regional challenges and adjust strategies for high-risk states.</a:t>
+            </a:r>
+          </a:p>
+          <a:p>
+            <a:pPr marL="285750" indent="-285750">
+              <a:buFont typeface="Arial" panose="020B0604020202020204" pitchFamily="34" charset="0"/>
+              <a:buChar char="•"/>
+            </a:pPr>
+            <a:r>
+              <a:rPr lang="en-US" b="1" dirty="0">
+                <a:solidFill>
+                  <a:schemeClr val="tx1"/>
+                </a:solidFill>
+              </a:rPr>
+              <a:t>Review pricing structures</a:t>
+            </a:r>
+            <a:r>
+              <a:rPr lang="en-US" dirty="0">
+                <a:solidFill>
+                  <a:schemeClr val="tx1"/>
+                </a:solidFill>
+              </a:rPr>
+              <a:t>, limit long-term loans for high-risk applicants, and apply stricter DTI thresholds.</a:t>
+            </a:r>
+          </a:p>
+          <a:p>
+            <a:pPr marL="285750" indent="-285750">
+              <a:buFont typeface="Arial" panose="020B0604020202020204" pitchFamily="34" charset="0"/>
+              <a:buChar char="•"/>
+            </a:pPr>
+            <a:r>
+              <a:rPr lang="en-US" b="1" dirty="0">
+                <a:solidFill>
+                  <a:schemeClr val="tx1"/>
+                </a:solidFill>
+              </a:rPr>
+              <a:t>Financial health of Borrowers</a:t>
+            </a:r>
+            <a:r>
+              <a:rPr lang="en-US" dirty="0">
+                <a:solidFill>
+                  <a:schemeClr val="tx1"/>
+                </a:solidFill>
+              </a:rPr>
+              <a:t>: : Implement robust protocols for applicants with bankruptcy histories and monitor high credit utilization closely.</a:t>
+            </a:r>
+          </a:p>
+          <a:p>
+            <a:pPr marL="285750" indent="-285750">
+              <a:buFont typeface="Arial" panose="020B0604020202020204" pitchFamily="34" charset="0"/>
+              <a:buChar char="•"/>
+            </a:pPr>
+            <a:r>
+              <a:rPr lang="en-US" b="1" dirty="0">
+                <a:solidFill>
+                  <a:schemeClr val="tx1"/>
+                </a:solidFill>
+              </a:rPr>
+              <a:t>Employment Impact on Defaults</a:t>
+            </a:r>
+            <a:r>
+              <a:rPr lang="en-US" dirty="0">
+                <a:solidFill>
+                  <a:schemeClr val="tx1"/>
+                </a:solidFill>
+              </a:rPr>
+              <a:t>: Investigate employment conditions and tailor strategies for applicants from high-risk sectors.</a:t>
+            </a:r>
+          </a:p>
+        </p:txBody>
+      </p:sp>
+      <p:cxnSp>
+        <p:nvCxnSpPr>
+          <p:cNvPr id="12" name="Straight Connector 11">
+            <a:extLst>
+              <a:ext uri="{FF2B5EF4-FFF2-40B4-BE49-F238E27FC236}">
+                <a16:creationId xmlns:a16="http://schemas.microsoft.com/office/drawing/2014/main" id="{E418FAE6-35BF-1869-5424-B1CF9289C0AE}"/>
+              </a:ext>
+            </a:extLst>
+          </p:cNvPr>
+          <p:cNvCxnSpPr>
+            <a:cxnSpLocks/>
+          </p:cNvCxnSpPr>
+          <p:nvPr/>
+        </p:nvCxnSpPr>
+        <p:spPr>
+          <a:xfrm>
+            <a:off x="442759" y="1297858"/>
+            <a:ext cx="11542764" cy="0"/>
+          </a:xfrm>
+          <a:prstGeom prst="line">
+            <a:avLst/>
+          </a:prstGeom>
+        </p:spPr>
+        <p:style>
+          <a:lnRef idx="1">
+            <a:schemeClr val="dk1"/>
+          </a:lnRef>
+          <a:fillRef idx="0">
+            <a:schemeClr val="dk1"/>
+          </a:fillRef>
+          <a:effectRef idx="0">
+            <a:schemeClr val="dk1"/>
+          </a:effectRef>
+          <a:fontRef idx="minor">
+            <a:schemeClr val="tx1"/>
+          </a:fontRef>
+        </p:style>
+      </p:cxnSp>
+      <p:sp>
+        <p:nvSpPr>
+          <p:cNvPr id="14" name="Footer Placeholder 2">
+            <a:extLst>
+              <a:ext uri="{FF2B5EF4-FFF2-40B4-BE49-F238E27FC236}">
+                <a16:creationId xmlns:a16="http://schemas.microsoft.com/office/drawing/2014/main" id="{4C178A91-33BF-0EA0-0FE5-2EEC45D9761D}"/>
+              </a:ext>
+            </a:extLst>
+          </p:cNvPr>
+          <p:cNvSpPr>
+            <a:spLocks noGrp="1"/>
+          </p:cNvSpPr>
+          <p:nvPr>
+            <p:ph type="ftr" sz="quarter" idx="11"/>
+          </p:nvPr>
+        </p:nvSpPr>
+        <p:spPr>
+          <a:xfrm>
+            <a:off x="4038600" y="6356350"/>
+            <a:ext cx="4114800" cy="365125"/>
+          </a:xfrm>
+        </p:spPr>
+        <p:txBody>
+          <a:bodyPr/>
+          <a:lstStyle/>
+          <a:p>
+            <a:r>
+              <a:rPr lang="en-US" dirty="0"/>
+              <a:t>UpGrad Case Study</a:t>
+            </a:r>
+          </a:p>
+        </p:txBody>
+      </p:sp>
+      <p:sp>
+        <p:nvSpPr>
+          <p:cNvPr id="5" name="TextBox 4">
+            <a:extLst>
+              <a:ext uri="{FF2B5EF4-FFF2-40B4-BE49-F238E27FC236}">
+                <a16:creationId xmlns:a16="http://schemas.microsoft.com/office/drawing/2014/main" id="{79D3A0FE-EFA4-2459-CC51-F20A114B7751}"/>
+              </a:ext>
+            </a:extLst>
+          </p:cNvPr>
+          <p:cNvSpPr txBox="1"/>
+          <p:nvPr/>
+        </p:nvSpPr>
+        <p:spPr>
+          <a:xfrm>
+            <a:off x="6538759" y="1326134"/>
+            <a:ext cx="5542479" cy="2677656"/>
+          </a:xfrm>
+          <a:prstGeom prst="rect">
+            <a:avLst/>
+          </a:prstGeom>
+          <a:noFill/>
+        </p:spPr>
+        <p:txBody>
+          <a:bodyPr wrap="square">
+            <a:spAutoFit/>
+          </a:bodyPr>
+          <a:lstStyle/>
+          <a:p>
+            <a:pPr marL="285750" indent="-285750">
+              <a:buFont typeface="Arial" panose="020B0604020202020204" pitchFamily="34" charset="0"/>
+              <a:buChar char="•"/>
+            </a:pPr>
+            <a:r>
+              <a:rPr lang="en-US" sz="1400" b="1" dirty="0"/>
+              <a:t>Strengthen Risk Assessment: </a:t>
+            </a:r>
+            <a:r>
+              <a:rPr lang="en-US" sz="1400" dirty="0"/>
+              <a:t>Enhance verification processes and focus on high-risk grades and geographic regions.</a:t>
+            </a:r>
+          </a:p>
+          <a:p>
+            <a:pPr marL="285750" indent="-285750">
+              <a:buFont typeface="Arial" panose="020B0604020202020204" pitchFamily="34" charset="0"/>
+              <a:buChar char="•"/>
+            </a:pPr>
+            <a:r>
+              <a:rPr lang="en-US" sz="1400" b="1" dirty="0"/>
+              <a:t>Tailored Lending Policies</a:t>
+            </a:r>
+            <a:r>
+              <a:rPr lang="en-US" sz="1400" dirty="0"/>
+              <a:t>: Adjust loan amounts, tenures, and interest rates based on risk profiles.</a:t>
+            </a:r>
+          </a:p>
+          <a:p>
+            <a:pPr marL="285750" indent="-285750">
+              <a:buFont typeface="Arial" panose="020B0604020202020204" pitchFamily="34" charset="0"/>
+              <a:buChar char="•"/>
+            </a:pPr>
+            <a:r>
+              <a:rPr lang="en-US" sz="1400" b="1" dirty="0"/>
+              <a:t>Data-Driven Interventions</a:t>
+            </a:r>
+            <a:r>
+              <a:rPr lang="en-US" sz="1400" dirty="0"/>
+              <a:t>: Use insights on DTI, revolving credit utilization, and borrower history to guide decision-making.</a:t>
+            </a:r>
+          </a:p>
+          <a:p>
+            <a:pPr marL="285750" indent="-285750">
+              <a:buFont typeface="Arial" panose="020B0604020202020204" pitchFamily="34" charset="0"/>
+              <a:buChar char="•"/>
+            </a:pPr>
+            <a:r>
+              <a:rPr lang="en-US" sz="1400" b="1" dirty="0"/>
+              <a:t>Proactive Regional Strategies</a:t>
+            </a:r>
+            <a:r>
+              <a:rPr lang="en-US" sz="1400" dirty="0"/>
+              <a:t>: Develop specific interventions for states with higher default rates and consider regional economic factors.</a:t>
+            </a:r>
+          </a:p>
+          <a:p>
+            <a:pPr marL="285750" indent="-285750">
+              <a:buFont typeface="Arial" panose="020B0604020202020204" pitchFamily="34" charset="0"/>
+              <a:buChar char="•"/>
+            </a:pPr>
+            <a:r>
+              <a:rPr lang="en-US" sz="1400" b="1" dirty="0"/>
+              <a:t>Enhanced Borrower Support</a:t>
+            </a:r>
+            <a:r>
+              <a:rPr lang="en-US" sz="1400" dirty="0"/>
+              <a:t>: Offer financial counseling and customized repayment plans for at-risk borrowers to improve repayment likelihood.</a:t>
+            </a:r>
+          </a:p>
+        </p:txBody>
+      </p:sp>
+      <p:cxnSp>
+        <p:nvCxnSpPr>
+          <p:cNvPr id="9" name="Straight Connector 8">
+            <a:extLst>
+              <a:ext uri="{FF2B5EF4-FFF2-40B4-BE49-F238E27FC236}">
+                <a16:creationId xmlns:a16="http://schemas.microsoft.com/office/drawing/2014/main" id="{582372AD-E46D-1335-EDC4-C5A740A7C877}"/>
+              </a:ext>
+            </a:extLst>
+          </p:cNvPr>
+          <p:cNvCxnSpPr>
+            <a:cxnSpLocks/>
+          </p:cNvCxnSpPr>
+          <p:nvPr/>
+        </p:nvCxnSpPr>
+        <p:spPr>
+          <a:xfrm>
+            <a:off x="6508959" y="1017691"/>
+            <a:ext cx="0" cy="5338659"/>
+          </a:xfrm>
+          <a:prstGeom prst="line">
+            <a:avLst/>
+          </a:prstGeom>
+          <a:ln w="9525" cap="flat" cmpd="sng" algn="ctr">
+            <a:solidFill>
+              <a:schemeClr val="dk1"/>
+            </a:solidFill>
+            <a:prstDash val="dash"/>
+            <a:round/>
+            <a:headEnd type="none" w="med" len="med"/>
+            <a:tailEnd type="none" w="med" len="med"/>
+          </a:ln>
+        </p:spPr>
+        <p:style>
+          <a:lnRef idx="0">
+            <a:scrgbClr r="0" g="0" b="0"/>
+          </a:lnRef>
+          <a:fillRef idx="0">
+            <a:scrgbClr r="0" g="0" b="0"/>
+          </a:fillRef>
+          <a:effectRef idx="0">
+            <a:scrgbClr r="0" g="0" b="0"/>
+          </a:effectRef>
+          <a:fontRef idx="minor">
+            <a:schemeClr val="tx1"/>
+          </a:fontRef>
+        </p:style>
+      </p:cxnSp>
+      <p:sp>
+        <p:nvSpPr>
+          <p:cNvPr id="15" name="Title 1">
+            <a:extLst>
+              <a:ext uri="{FF2B5EF4-FFF2-40B4-BE49-F238E27FC236}">
+                <a16:creationId xmlns:a16="http://schemas.microsoft.com/office/drawing/2014/main" id="{0CFFF1BD-4832-E456-AEBA-540F47E56B14}"/>
+              </a:ext>
+            </a:extLst>
+          </p:cNvPr>
+          <p:cNvSpPr txBox="1">
+            <a:spLocks/>
+          </p:cNvSpPr>
+          <p:nvPr/>
+        </p:nvSpPr>
+        <p:spPr>
+          <a:xfrm>
+            <a:off x="444908" y="206477"/>
+            <a:ext cx="11678265" cy="506977"/>
+          </a:xfrm>
+          <a:prstGeom prst="rect">
+            <a:avLst/>
+          </a:prstGeom>
+        </p:spPr>
+        <p:txBody>
+          <a:bodyPr vert="horz" lIns="91440" tIns="45720" rIns="91440" bIns="45720" rtlCol="0" anchor="b">
+            <a:normAutofit/>
+          </a:bodyPr>
+          <a:lstStyle>
+            <a:lvl1pPr algn="l" defTabSz="914400" rtl="0" eaLnBrk="1" latinLnBrk="0" hangingPunct="1">
+              <a:lnSpc>
+                <a:spcPct val="90000"/>
+              </a:lnSpc>
+              <a:spcBef>
+                <a:spcPct val="0"/>
+              </a:spcBef>
+              <a:buNone/>
+              <a:defRPr lang="en-US" sz="2800" kern="1200" cap="all" spc="150" baseline="0" dirty="0">
+                <a:solidFill>
+                  <a:schemeClr val="tx1">
+                    <a:lumMod val="75000"/>
+                    <a:lumOff val="25000"/>
+                  </a:schemeClr>
+                </a:solidFill>
+                <a:latin typeface="+mj-lt"/>
+                <a:ea typeface="+mj-ea"/>
+                <a:cs typeface="+mj-cs"/>
+              </a:defRPr>
+            </a:lvl1pPr>
+          </a:lstStyle>
+          <a:p>
+            <a:r>
+              <a:rPr lang="en-US"/>
+              <a:t>SUMMARY: </a:t>
+            </a:r>
+            <a:r>
+              <a:rPr lang="en-US" sz="2200"/>
+              <a:t>Lending Risk Assessment and Portfolio Improvement</a:t>
+            </a:r>
+          </a:p>
+        </p:txBody>
+      </p:sp>
+      <p:sp>
+        <p:nvSpPr>
+          <p:cNvPr id="17" name="TextBox 16">
+            <a:extLst>
+              <a:ext uri="{FF2B5EF4-FFF2-40B4-BE49-F238E27FC236}">
+                <a16:creationId xmlns:a16="http://schemas.microsoft.com/office/drawing/2014/main" id="{31638F5C-BDD2-B420-A01E-6AD41FCD02F7}"/>
+              </a:ext>
+            </a:extLst>
+          </p:cNvPr>
+          <p:cNvSpPr txBox="1"/>
+          <p:nvPr/>
+        </p:nvSpPr>
+        <p:spPr>
+          <a:xfrm>
+            <a:off x="442759" y="936105"/>
+            <a:ext cx="6096000" cy="369332"/>
+          </a:xfrm>
+          <a:prstGeom prst="rect">
+            <a:avLst/>
+          </a:prstGeom>
+          <a:noFill/>
+        </p:spPr>
+        <p:txBody>
+          <a:bodyPr wrap="square">
+            <a:spAutoFit/>
+          </a:bodyPr>
+          <a:lstStyle/>
+          <a:p>
+            <a:r>
+              <a:rPr lang="en-US" b="1" dirty="0">
+                <a:solidFill>
+                  <a:schemeClr val="tx1"/>
+                </a:solidFill>
+              </a:rPr>
+              <a:t>Actions</a:t>
+            </a:r>
+          </a:p>
+        </p:txBody>
+      </p:sp>
+      <p:sp>
+        <p:nvSpPr>
+          <p:cNvPr id="20" name="TextBox 19">
+            <a:extLst>
+              <a:ext uri="{FF2B5EF4-FFF2-40B4-BE49-F238E27FC236}">
+                <a16:creationId xmlns:a16="http://schemas.microsoft.com/office/drawing/2014/main" id="{B16513DC-632A-7906-BC5D-6E89D72B145F}"/>
+              </a:ext>
+            </a:extLst>
+          </p:cNvPr>
+          <p:cNvSpPr txBox="1"/>
+          <p:nvPr/>
+        </p:nvSpPr>
+        <p:spPr>
+          <a:xfrm>
+            <a:off x="6508959" y="947581"/>
+            <a:ext cx="6096000" cy="369332"/>
+          </a:xfrm>
+          <a:prstGeom prst="rect">
+            <a:avLst/>
+          </a:prstGeom>
+          <a:noFill/>
+        </p:spPr>
+        <p:txBody>
+          <a:bodyPr wrap="square">
+            <a:spAutoFit/>
+          </a:bodyPr>
+          <a:lstStyle/>
+          <a:p>
+            <a:r>
+              <a:rPr lang="en-US" sz="1800" b="1" dirty="0"/>
+              <a:t>Strategic Recommendations</a:t>
+            </a:r>
+          </a:p>
+        </p:txBody>
+      </p:sp>
+    </p:spTree>
+    <p:extLst>
+      <p:ext uri="{BB962C8B-B14F-4D97-AF65-F5344CB8AC3E}">
+        <p14:creationId xmlns:p14="http://schemas.microsoft.com/office/powerpoint/2010/main" val="2153932457"/>
+      </p:ext>
+    </p:extLst>
+  </p:cSld>
+  <p:clrMapOvr>
+    <a:masterClrMapping/>
+  </p:clrMapOvr>
+</p:sld>
+</file>
+
+<file path=ppt/slides/slide22.xml><?xml version="1.0" encoding="utf-8"?>
+<p:sld xmlns:a="http://schemas.openxmlformats.org/drawingml/2006/main" xmlns:r="http://schemas.openxmlformats.org/officeDocument/2006/relationships" xmlns:p="http://schemas.openxmlformats.org/presentationml/2006/main">
+  <p:cSld>
+    <p:spTree>
+      <p:nvGrpSpPr>
         <p:cNvPr id="1" name=""/>
         <p:cNvGrpSpPr/>
         <p:nvPr/>
@@ -23598,7 +24883,7 @@
             <a:fld id="{B5CEABB6-07DC-46E8-9B57-56EC44A396E5}" type="slidenum">
               <a:rPr lang="en-US" smtClean="0"/>
               <a:pPr/>
-              <a:t>21</a:t>
+              <a:t>22</a:t>
             </a:fld>
             <a:endParaRPr lang="en-US" dirty="0"/>
           </a:p>
@@ -23652,7 +24937,7 @@
         </p:nvSpPr>
         <p:spPr>
           <a:xfrm>
-            <a:off x="838200" y="787841"/>
+            <a:off x="344128" y="694948"/>
             <a:ext cx="10515600" cy="480131"/>
           </a:xfrm>
         </p:spPr>
@@ -24101,7 +25386,7 @@
         </p:nvSpPr>
         <p:spPr>
           <a:xfrm>
-            <a:off x="838200" y="419206"/>
+            <a:off x="355186" y="336877"/>
             <a:ext cx="10515600" cy="480131"/>
           </a:xfrm>
         </p:spPr>
@@ -24533,11 +25818,11 @@
   <p:clrMapOvr>
     <a:masterClrMapping/>
   </p:clrMapOvr>
-  <mc:AlternateContent xmlns:mc="http://schemas.openxmlformats.org/markup-compatibility/2006">
-    <mc:Choice xmlns:p14="http://schemas.microsoft.com/office/powerpoint/2010/main" Requires="p14">
+  <mc:AlternateContent xmlns:mc="http://schemas.openxmlformats.org/markup-compatibility/2006" xmlns:p14="http://schemas.microsoft.com/office/powerpoint/2010/main">
+    <mc:Choice Requires="p14">
       <p:transition p14:dur="10"/>
     </mc:Choice>
-    <mc:Fallback>
+    <mc:Fallback xmlns="">
       <p:transition/>
     </mc:Fallback>
   </mc:AlternateContent>
@@ -26315,11 +27600,11 @@
   <p:clrMapOvr>
     <a:masterClrMapping/>
   </p:clrMapOvr>
-  <mc:AlternateContent xmlns:mc="http://schemas.openxmlformats.org/markup-compatibility/2006">
-    <mc:Choice xmlns:p14="http://schemas.microsoft.com/office/powerpoint/2010/main" Requires="p14">
+  <mc:AlternateContent xmlns:mc="http://schemas.openxmlformats.org/markup-compatibility/2006" xmlns:p14="http://schemas.microsoft.com/office/powerpoint/2010/main">
+    <mc:Choice Requires="p14">
       <p:transition p14:dur="10"/>
     </mc:Choice>
-    <mc:Fallback>
+    <mc:Fallback xmlns="">
       <p:transition/>
     </mc:Fallback>
   </mc:AlternateContent>
@@ -27644,26 +28929,6 @@
 </file>
 
 <file path=customXml/item2.xml><?xml version="1.0" encoding="utf-8"?>
-<p:properties xmlns:p="http://schemas.microsoft.com/office/2006/metadata/properties" xmlns:xsi="http://www.w3.org/2001/XMLSchema-instance" xmlns:pc="http://schemas.microsoft.com/office/infopath/2007/PartnerControls">
-  <documentManagement>
-    <_ip_UnifiedCompliancePolicyUIAction xmlns="http://schemas.microsoft.com/sharepoint/v3" xsi:nil="true"/>
-    <Image xmlns="71af3243-3dd4-4a8d-8c0d-dd76da1f02a5">
-      <Url xsi:nil="true"/>
-      <Description xsi:nil="true"/>
-    </Image>
-    <Status xmlns="71af3243-3dd4-4a8d-8c0d-dd76da1f02a5">Not started</Status>
-    <Background xmlns="71af3243-3dd4-4a8d-8c0d-dd76da1f02a5">false</Background>
-    <_ip_UnifiedCompliancePolicyProperties xmlns="http://schemas.microsoft.com/sharepoint/v3" xsi:nil="true"/>
-    <ImageTagsTaxHTField xmlns="71af3243-3dd4-4a8d-8c0d-dd76da1f02a5">
-      <Terms xmlns="http://schemas.microsoft.com/office/infopath/2007/PartnerControls"/>
-    </ImageTagsTaxHTField>
-    <TaxCatchAll xmlns="230e9df3-be65-4c73-a93b-d1236ebd677e" xsi:nil="true"/>
-    <MediaServiceKeyPoints xmlns="71af3243-3dd4-4a8d-8c0d-dd76da1f02a5" xsi:nil="true"/>
-  </documentManagement>
-</p:properties>
-</file>
-
-<file path=customXml/item3.xml><?xml version="1.0" encoding="utf-8"?>
 <ct:contentTypeSchema xmlns:ct="http://schemas.microsoft.com/office/2006/metadata/contentType" xmlns:ma="http://schemas.microsoft.com/office/2006/metadata/properties/metaAttributes" ct:_="" ma:_="" ma:contentTypeName="Document" ma:contentTypeID="0x01010079F111ED35F8CC479449609E8A0923A6" ma:contentTypeVersion="27" ma:contentTypeDescription="Create a new document." ma:contentTypeScope="" ma:versionID="c6f9a84f66a9c8b9a21755b9ffafb945">
   <xsd:schema xmlns:xsd="http://www.w3.org/2001/XMLSchema" xmlns:xs="http://www.w3.org/2001/XMLSchema" xmlns:p="http://schemas.microsoft.com/office/2006/metadata/properties" xmlns:ns1="http://schemas.microsoft.com/sharepoint/v3" xmlns:ns2="71af3243-3dd4-4a8d-8c0d-dd76da1f02a5" xmlns:ns3="16c05727-aa75-4e4a-9b5f-8a80a1165891" xmlns:ns4="230e9df3-be65-4c73-a93b-d1236ebd677e" targetNamespace="http://schemas.microsoft.com/office/2006/metadata/properties" ma:root="true" ma:fieldsID="27df39e3e7036dff54f89ddd5805ce72" ns1:_="" ns2:_="" ns3:_="" ns4:_="">
     <xsd:import namespace="http://schemas.microsoft.com/sharepoint/v3"/>
@@ -27969,6 +29234,26 @@
 </ct:contentTypeSchema>
 </file>
 
+<file path=customXml/item3.xml><?xml version="1.0" encoding="utf-8"?>
+<p:properties xmlns:p="http://schemas.microsoft.com/office/2006/metadata/properties" xmlns:xsi="http://www.w3.org/2001/XMLSchema-instance" xmlns:pc="http://schemas.microsoft.com/office/infopath/2007/PartnerControls">
+  <documentManagement>
+    <_ip_UnifiedCompliancePolicyUIAction xmlns="http://schemas.microsoft.com/sharepoint/v3" xsi:nil="true"/>
+    <Image xmlns="71af3243-3dd4-4a8d-8c0d-dd76da1f02a5">
+      <Url xsi:nil="true"/>
+      <Description xsi:nil="true"/>
+    </Image>
+    <Status xmlns="71af3243-3dd4-4a8d-8c0d-dd76da1f02a5">Not started</Status>
+    <Background xmlns="71af3243-3dd4-4a8d-8c0d-dd76da1f02a5">false</Background>
+    <_ip_UnifiedCompliancePolicyProperties xmlns="http://schemas.microsoft.com/sharepoint/v3" xsi:nil="true"/>
+    <ImageTagsTaxHTField xmlns="71af3243-3dd4-4a8d-8c0d-dd76da1f02a5">
+      <Terms xmlns="http://schemas.microsoft.com/office/infopath/2007/PartnerControls"/>
+    </ImageTagsTaxHTField>
+    <TaxCatchAll xmlns="230e9df3-be65-4c73-a93b-d1236ebd677e" xsi:nil="true"/>
+    <MediaServiceKeyPoints xmlns="71af3243-3dd4-4a8d-8c0d-dd76da1f02a5" xsi:nil="true"/>
+  </documentManagement>
+</p:properties>
+</file>
+
 <file path=customXml/itemProps1.xml><?xml version="1.0" encoding="utf-8"?>
 <ds:datastoreItem xmlns:ds="http://schemas.openxmlformats.org/officeDocument/2006/customXml" ds:itemID="{6966C46A-DC57-4209-80CD-9FE6C93151FF}">
   <ds:schemaRefs>
@@ -27978,18 +29263,6 @@
 </file>
 
 <file path=customXml/itemProps2.xml><?xml version="1.0" encoding="utf-8"?>
-<ds:datastoreItem xmlns:ds="http://schemas.openxmlformats.org/officeDocument/2006/customXml" ds:itemID="{BEFFFA3F-0FB5-4ED3-8906-A15B16577F44}">
-  <ds:schemaRefs>
-    <ds:schemaRef ds:uri="http://schemas.microsoft.com/office/2006/metadata/properties"/>
-    <ds:schemaRef ds:uri="http://schemas.microsoft.com/office/infopath/2007/PartnerControls"/>
-    <ds:schemaRef ds:uri="http://schemas.microsoft.com/sharepoint/v3"/>
-    <ds:schemaRef ds:uri="71af3243-3dd4-4a8d-8c0d-dd76da1f02a5"/>
-    <ds:schemaRef ds:uri="230e9df3-be65-4c73-a93b-d1236ebd677e"/>
-  </ds:schemaRefs>
-</ds:datastoreItem>
-</file>
-
-<file path=customXml/itemProps3.xml><?xml version="1.0" encoding="utf-8"?>
 <ds:datastoreItem xmlns:ds="http://schemas.openxmlformats.org/officeDocument/2006/customXml" ds:itemID="{4E18436D-DA32-4E27-AC64-8FFEDA5218F9}">
   <ds:schemaRefs>
     <ds:schemaRef ds:uri="http://schemas.microsoft.com/office/2006/metadata/contentType"/>
@@ -28010,6 +29283,18 @@
 </ds:datastoreItem>
 </file>
 
+<file path=customXml/itemProps3.xml><?xml version="1.0" encoding="utf-8"?>
+<ds:datastoreItem xmlns:ds="http://schemas.openxmlformats.org/officeDocument/2006/customXml" ds:itemID="{BEFFFA3F-0FB5-4ED3-8906-A15B16577F44}">
+  <ds:schemaRefs>
+    <ds:schemaRef ds:uri="http://schemas.microsoft.com/office/2006/metadata/properties"/>
+    <ds:schemaRef ds:uri="http://schemas.microsoft.com/office/infopath/2007/PartnerControls"/>
+    <ds:schemaRef ds:uri="http://schemas.microsoft.com/sharepoint/v3"/>
+    <ds:schemaRef ds:uri="71af3243-3dd4-4a8d-8c0d-dd76da1f02a5"/>
+    <ds:schemaRef ds:uri="230e9df3-be65-4c73-a93b-d1236ebd677e"/>
+  </ds:schemaRefs>
+</ds:datastoreItem>
+</file>
+
 <file path=docMetadata/LabelInfo.xml><?xml version="1.0" encoding="utf-8"?>
 <clbl:labelList xmlns:clbl="http://schemas.microsoft.com/office/2020/mipLabelMetadata"/>
 </file>